--- a/Axure_community_captures.pptx
+++ b/Axure_community_captures.pptx
@@ -2950,7 +2950,7 @@
         <p:spPr>
           <a:xfrm>
             <a:off x="8862695" y="1872615"/>
-            <a:ext cx="2240280" cy="368300"/>
+            <a:ext cx="2697480" cy="1753235"/>
           </a:xfrm>
           <a:prstGeom prst="rect">
             <a:avLst/>
@@ -2964,7 +2964,54 @@
           <a:p>
             <a:r>
               <a:rPr lang="zh-CN" altLang="en-US"/>
-              <a:t>如图所示，热区按钮</a:t>
+              <a:t>如图所示，热区按钮，</a:t>
+            </a:r>
+            <a:endParaRPr lang="zh-CN" altLang="en-US"/>
+          </a:p>
+          <a:p>
+            <a:r>
+              <a:rPr lang="zh-CN" altLang="en-US"/>
+              <a:t>可点击</a:t>
+            </a:r>
+            <a:r>
+              <a:rPr lang="en-US" altLang="zh-CN"/>
+              <a:t>“</a:t>
+            </a:r>
+            <a:r>
+              <a:rPr lang="zh-CN" altLang="en-US"/>
+              <a:t>评论</a:t>
+            </a:r>
+            <a:r>
+              <a:rPr lang="en-US" altLang="zh-CN"/>
+              <a:t>”</a:t>
+            </a:r>
+            <a:r>
+              <a:rPr lang="zh-CN" altLang="en-US"/>
+              <a:t>跳转至</a:t>
+            </a:r>
+            <a:br>
+              <a:rPr lang="zh-CN" altLang="en-US"/>
+            </a:br>
+            <a:r>
+              <a:rPr lang="zh-CN" altLang="en-US"/>
+              <a:t>评论页面。</a:t>
+            </a:r>
+            <a:endParaRPr lang="zh-CN" altLang="en-US"/>
+          </a:p>
+          <a:p>
+            <a:endParaRPr lang="zh-CN" altLang="en-US"/>
+          </a:p>
+          <a:p>
+            <a:r>
+              <a:rPr lang="zh-CN" altLang="en-US"/>
+              <a:t>可以点击左上角返回标</a:t>
+            </a:r>
+            <a:endParaRPr lang="zh-CN" altLang="en-US"/>
+          </a:p>
+          <a:p>
+            <a:r>
+              <a:rPr lang="zh-CN" altLang="en-US"/>
+              <a:t>志，返回至上一级页面。</a:t>
             </a:r>
             <a:endParaRPr lang="zh-CN" altLang="en-US"/>
           </a:p>
@@ -3041,7 +3088,7 @@
         <p:spPr>
           <a:xfrm>
             <a:off x="8862695" y="1872615"/>
-            <a:ext cx="2240280" cy="645160"/>
+            <a:ext cx="2889250" cy="3692525"/>
           </a:xfrm>
           <a:prstGeom prst="rect">
             <a:avLst/>
@@ -3055,14 +3102,147 @@
           <a:p>
             <a:r>
               <a:rPr lang="zh-CN" altLang="en-US"/>
-              <a:t>如图所示，热区按钮</a:t>
+              <a:t>可上下拖动。</a:t>
             </a:r>
             <a:endParaRPr lang="zh-CN" altLang="en-US"/>
           </a:p>
           <a:p>
+            <a:endParaRPr lang="zh-CN" altLang="en-US"/>
+          </a:p>
+          <a:p>
             <a:r>
               <a:rPr lang="zh-CN" altLang="en-US"/>
-              <a:t>可上下拖动</a:t>
+              <a:t>可点击</a:t>
+            </a:r>
+            <a:r>
+              <a:rPr lang="en-US" altLang="zh-CN"/>
+              <a:t>“</a:t>
+            </a:r>
+            <a:r>
+              <a:rPr lang="zh-CN" altLang="en-US"/>
+              <a:t>报价</a:t>
+            </a:r>
+            <a:r>
+              <a:rPr lang="en-US" altLang="zh-CN"/>
+              <a:t>”</a:t>
+            </a:r>
+            <a:r>
+              <a:rPr lang="zh-CN" altLang="en-US"/>
+              <a:t>按钮跳转</a:t>
+            </a:r>
+            <a:endParaRPr lang="zh-CN" altLang="en-US"/>
+          </a:p>
+          <a:p>
+            <a:r>
+              <a:rPr lang="zh-CN" altLang="en-US"/>
+              <a:t>至报价页面。</a:t>
+            </a:r>
+            <a:endParaRPr lang="zh-CN" altLang="en-US"/>
+          </a:p>
+          <a:p>
+            <a:endParaRPr lang="zh-CN" altLang="en-US"/>
+          </a:p>
+          <a:p>
+            <a:r>
+              <a:rPr lang="zh-CN" altLang="en-US"/>
+              <a:t>可点击左上角</a:t>
+            </a:r>
+            <a:r>
+              <a:rPr lang="en-US" altLang="zh-CN"/>
+              <a:t>“</a:t>
+            </a:r>
+            <a:r>
+              <a:rPr lang="zh-CN" altLang="en-US"/>
+              <a:t>返回</a:t>
+            </a:r>
+            <a:r>
+              <a:rPr lang="en-US" altLang="zh-CN"/>
+              <a:t>”</a:t>
+            </a:r>
+            <a:r>
+              <a:rPr lang="zh-CN" altLang="en-US"/>
+              <a:t>，</a:t>
+            </a:r>
+            <a:endParaRPr lang="zh-CN" altLang="en-US"/>
+          </a:p>
+          <a:p>
+            <a:r>
+              <a:rPr lang="zh-CN" altLang="en-US"/>
+              <a:t>返回至上一级页面。</a:t>
+            </a:r>
+            <a:endParaRPr lang="zh-CN" altLang="en-US"/>
+          </a:p>
+          <a:p>
+            <a:endParaRPr lang="zh-CN" altLang="en-US"/>
+          </a:p>
+          <a:p>
+            <a:r>
+              <a:rPr lang="zh-CN" altLang="en-US"/>
+              <a:t>可点击</a:t>
+            </a:r>
+            <a:r>
+              <a:rPr lang="en-US" altLang="zh-CN"/>
+              <a:t>“</a:t>
+            </a:r>
+            <a:r>
+              <a:rPr lang="zh-CN" altLang="en-US"/>
+              <a:t>最新</a:t>
+            </a:r>
+            <a:r>
+              <a:rPr lang="en-US" altLang="zh-CN"/>
+              <a:t>”“</a:t>
+            </a:r>
+            <a:r>
+              <a:rPr lang="zh-CN" altLang="en-US"/>
+              <a:t>推荐</a:t>
+            </a:r>
+            <a:r>
+              <a:rPr lang="en-US" altLang="zh-CN"/>
+              <a:t>”“</a:t>
+            </a:r>
+            <a:r>
+              <a:rPr lang="zh-CN" altLang="en-US"/>
+              <a:t>查看</a:t>
+            </a:r>
+            <a:r>
+              <a:rPr lang="en-US" altLang="zh-CN"/>
+              <a:t>”</a:t>
+            </a:r>
+            <a:endParaRPr lang="en-US" altLang="zh-CN"/>
+          </a:p>
+          <a:p>
+            <a:r>
+              <a:rPr lang="zh-CN" altLang="en-US"/>
+              <a:t>按钮。</a:t>
+            </a:r>
+            <a:endParaRPr lang="zh-CN" altLang="en-US"/>
+          </a:p>
+          <a:p>
+            <a:endParaRPr lang="zh-CN" altLang="en-US"/>
+          </a:p>
+          <a:p>
+            <a:r>
+              <a:rPr lang="zh-CN" altLang="en-US"/>
+              <a:t>可点击</a:t>
+            </a:r>
+            <a:r>
+              <a:rPr lang="en-US" altLang="zh-CN"/>
+              <a:t>“</a:t>
+            </a:r>
+            <a:r>
+              <a:rPr lang="zh-CN" altLang="en-US"/>
+              <a:t>热门牛友正在讨论</a:t>
+            </a:r>
+            <a:r>
+              <a:rPr lang="en-US" altLang="zh-CN"/>
+              <a:t>”</a:t>
+            </a:r>
+            <a:endParaRPr lang="en-US" altLang="zh-CN"/>
+          </a:p>
+          <a:p>
+            <a:r>
+              <a:rPr lang="zh-CN" altLang="en-US"/>
+              <a:t>跳转至新页面。</a:t>
             </a:r>
             <a:endParaRPr lang="zh-CN" altLang="en-US"/>
           </a:p>
@@ -3139,7 +3319,7 @@
         <p:spPr>
           <a:xfrm>
             <a:off x="8862695" y="1872615"/>
-            <a:ext cx="2240280" cy="645160"/>
+            <a:ext cx="2527935" cy="2306955"/>
           </a:xfrm>
           <a:prstGeom prst="rect">
             <a:avLst/>
@@ -3153,20 +3333,166 @@
           <a:p>
             <a:pPr algn="l"/>
             <a:r>
-              <a:rPr lang="zh-CN" altLang="en-US"/>
-              <a:t>如图所示，热区按钮</a:t>
-            </a:r>
-            <a:endParaRPr lang="zh-CN" altLang="en-US"/>
-          </a:p>
-          <a:p>
-            <a:pPr algn="l"/>
-            <a:r>
               <a:rPr lang="zh-CN" altLang="en-US">
                 <a:sym typeface="+mn-ea"/>
               </a:rPr>
-              <a:t>可上下拖动</a:t>
+              <a:t>可上下拖动。</a:t>
+            </a:r>
+            <a:endParaRPr lang="zh-CN" altLang="en-US">
+              <a:sym typeface="+mn-ea"/>
+            </a:endParaRPr>
+          </a:p>
+          <a:p>
+            <a:pPr algn="l"/>
+            <a:endParaRPr lang="zh-CN" altLang="en-US">
+              <a:sym typeface="+mn-ea"/>
+            </a:endParaRPr>
+          </a:p>
+          <a:p>
+            <a:pPr algn="l"/>
+            <a:r>
+              <a:rPr lang="zh-CN" altLang="en-US">
+                <a:sym typeface="+mn-ea"/>
+              </a:rPr>
+              <a:t>可点击左上角</a:t>
+            </a:r>
+            <a:r>
+              <a:rPr lang="en-US" altLang="zh-CN">
+                <a:sym typeface="+mn-ea"/>
+              </a:rPr>
+              <a:t>“</a:t>
+            </a:r>
+            <a:r>
+              <a:rPr lang="zh-CN" altLang="en-US">
+                <a:sym typeface="+mn-ea"/>
+              </a:rPr>
+              <a:t>返回</a:t>
+            </a:r>
+            <a:r>
+              <a:rPr lang="en-US" altLang="zh-CN">
+                <a:sym typeface="+mn-ea"/>
+              </a:rPr>
+              <a:t>”</a:t>
+            </a:r>
+            <a:r>
+              <a:rPr lang="zh-CN" altLang="en-US">
+                <a:sym typeface="+mn-ea"/>
+              </a:rPr>
+              <a:t>，</a:t>
             </a:r>
             <a:endParaRPr lang="zh-CN" altLang="en-US"/>
+          </a:p>
+          <a:p>
+            <a:pPr algn="l"/>
+            <a:r>
+              <a:rPr lang="zh-CN" altLang="en-US">
+                <a:sym typeface="+mn-ea"/>
+              </a:rPr>
+              <a:t>返回至上一级页面。</a:t>
+            </a:r>
+            <a:endParaRPr lang="zh-CN" altLang="en-US"/>
+          </a:p>
+          <a:p>
+            <a:pPr algn="l"/>
+            <a:endParaRPr lang="zh-CN" altLang="en-US">
+              <a:sym typeface="+mn-ea"/>
+            </a:endParaRPr>
+          </a:p>
+          <a:p>
+            <a:pPr algn="l"/>
+            <a:r>
+              <a:rPr lang="zh-CN" altLang="en-US">
+                <a:sym typeface="+mn-ea"/>
+              </a:rPr>
+              <a:t>可点击</a:t>
+            </a:r>
+            <a:r>
+              <a:rPr lang="en-US" altLang="zh-CN">
+                <a:sym typeface="+mn-ea"/>
+              </a:rPr>
+              <a:t>“</a:t>
+            </a:r>
+            <a:r>
+              <a:rPr lang="zh-CN" altLang="en-US">
+                <a:sym typeface="+mn-ea"/>
+              </a:rPr>
+              <a:t>全部</a:t>
+            </a:r>
+            <a:r>
+              <a:rPr lang="en-US" altLang="zh-CN">
+                <a:sym typeface="+mn-ea"/>
+              </a:rPr>
+              <a:t>”“</a:t>
+            </a:r>
+            <a:r>
+              <a:rPr lang="zh-CN" altLang="en-US">
+                <a:sym typeface="+mn-ea"/>
+              </a:rPr>
+              <a:t>原创</a:t>
+            </a:r>
+            <a:r>
+              <a:rPr lang="en-US" altLang="zh-CN">
+                <a:sym typeface="+mn-ea"/>
+              </a:rPr>
+              <a:t>”“</a:t>
+            </a:r>
+            <a:r>
+              <a:rPr lang="zh-CN" altLang="en-US">
+                <a:sym typeface="+mn-ea"/>
+              </a:rPr>
+              <a:t>苹</a:t>
+            </a:r>
+            <a:endParaRPr lang="zh-CN" altLang="en-US">
+              <a:sym typeface="+mn-ea"/>
+            </a:endParaRPr>
+          </a:p>
+          <a:p>
+            <a:pPr algn="l"/>
+            <a:r>
+              <a:rPr lang="zh-CN" altLang="en-US">
+                <a:sym typeface="+mn-ea"/>
+              </a:rPr>
+              <a:t>果</a:t>
+            </a:r>
+            <a:r>
+              <a:rPr lang="en-US" altLang="zh-CN">
+                <a:sym typeface="+mn-ea"/>
+              </a:rPr>
+              <a:t>”“</a:t>
+            </a:r>
+            <a:r>
+              <a:rPr lang="zh-CN" altLang="en-US">
+                <a:sym typeface="+mn-ea"/>
+              </a:rPr>
+              <a:t>恒指主连</a:t>
+            </a:r>
+            <a:r>
+              <a:rPr lang="en-US" altLang="zh-CN">
+                <a:sym typeface="+mn-ea"/>
+              </a:rPr>
+              <a:t>”</a:t>
+            </a:r>
+            <a:r>
+              <a:rPr lang="zh-CN" altLang="en-US">
+                <a:sym typeface="+mn-ea"/>
+              </a:rPr>
+              <a:t>，跳转至</a:t>
+            </a:r>
+            <a:endParaRPr lang="zh-CN" altLang="en-US">
+              <a:sym typeface="+mn-ea"/>
+            </a:endParaRPr>
+          </a:p>
+          <a:p>
+            <a:pPr algn="l"/>
+            <a:r>
+              <a:rPr lang="zh-CN" altLang="en-US">
+                <a:sym typeface="+mn-ea"/>
+              </a:rPr>
+              <a:t>对应的新页面</a:t>
+            </a:r>
+            <a:endParaRPr lang="zh-CN" altLang="en-US">
+              <a:sym typeface="+mn-ea"/>
+            </a:endParaRPr>
           </a:p>
         </p:txBody>
       </p:sp>
@@ -3241,7 +3567,7 @@
         <p:spPr>
           <a:xfrm>
             <a:off x="8862695" y="1872615"/>
-            <a:ext cx="2240280" cy="645160"/>
+            <a:ext cx="2697480" cy="3969385"/>
           </a:xfrm>
           <a:prstGeom prst="rect">
             <a:avLst/>
@@ -3255,18 +3581,140 @@
           <a:p>
             <a:pPr algn="l"/>
             <a:r>
-              <a:rPr lang="zh-CN" altLang="en-US"/>
-              <a:t>如图所示，热区按钮</a:t>
-            </a:r>
-            <a:endParaRPr lang="zh-CN" altLang="en-US"/>
-          </a:p>
-          <a:p>
-            <a:pPr algn="l"/>
-            <a:r>
               <a:rPr lang="zh-CN" altLang="en-US">
                 <a:sym typeface="+mn-ea"/>
               </a:rPr>
-              <a:t>可上下拖动</a:t>
+              <a:t>可上下拖动。</a:t>
+            </a:r>
+            <a:endParaRPr lang="zh-CN" altLang="en-US">
+              <a:sym typeface="+mn-ea"/>
+            </a:endParaRPr>
+          </a:p>
+          <a:p>
+            <a:pPr algn="l"/>
+            <a:endParaRPr lang="zh-CN" altLang="en-US"/>
+          </a:p>
+          <a:p>
+            <a:pPr algn="l"/>
+            <a:r>
+              <a:rPr lang="zh-CN" altLang="en-US">
+                <a:sym typeface="+mn-ea"/>
+              </a:rPr>
+              <a:t>可点击左上角</a:t>
+            </a:r>
+            <a:r>
+              <a:rPr lang="en-US" altLang="zh-CN">
+                <a:sym typeface="+mn-ea"/>
+              </a:rPr>
+              <a:t>“</a:t>
+            </a:r>
+            <a:r>
+              <a:rPr lang="zh-CN" altLang="en-US">
+                <a:sym typeface="+mn-ea"/>
+              </a:rPr>
+              <a:t>返回</a:t>
+            </a:r>
+            <a:r>
+              <a:rPr lang="en-US" altLang="zh-CN">
+                <a:sym typeface="+mn-ea"/>
+              </a:rPr>
+              <a:t>”</a:t>
+            </a:r>
+            <a:r>
+              <a:rPr lang="zh-CN" altLang="en-US">
+                <a:sym typeface="+mn-ea"/>
+              </a:rPr>
+              <a:t>，</a:t>
+            </a:r>
+            <a:endParaRPr lang="zh-CN" altLang="en-US"/>
+          </a:p>
+          <a:p>
+            <a:pPr algn="l"/>
+            <a:r>
+              <a:rPr lang="zh-CN" altLang="en-US">
+                <a:sym typeface="+mn-ea"/>
+              </a:rPr>
+              <a:t>返回至上一级页面。</a:t>
+            </a:r>
+            <a:endParaRPr lang="zh-CN" altLang="en-US"/>
+          </a:p>
+          <a:p>
+            <a:pPr algn="l"/>
+            <a:endParaRPr lang="zh-CN" altLang="en-US"/>
+          </a:p>
+          <a:p>
+            <a:pPr algn="l"/>
+            <a:r>
+              <a:rPr lang="zh-CN" altLang="en-US"/>
+              <a:t>可点击</a:t>
+            </a:r>
+            <a:r>
+              <a:rPr lang="en-US" altLang="zh-CN"/>
+              <a:t>“</a:t>
+            </a:r>
+            <a:r>
+              <a:rPr lang="zh-CN" altLang="en-US"/>
+              <a:t>苹果</a:t>
+            </a:r>
+            <a:r>
+              <a:rPr lang="en-US" altLang="zh-CN"/>
+              <a:t>(AAPL.US)”</a:t>
+            </a:r>
+            <a:endParaRPr lang="en-US" altLang="zh-CN"/>
+          </a:p>
+          <a:p>
+            <a:pPr algn="l"/>
+            <a:r>
+              <a:rPr lang="zh-CN" altLang="en-US"/>
+              <a:t>跳转至苹果报价页面。</a:t>
+            </a:r>
+            <a:endParaRPr lang="zh-CN" altLang="en-US"/>
+          </a:p>
+          <a:p>
+            <a:pPr algn="l"/>
+            <a:endParaRPr lang="zh-CN" altLang="en-US"/>
+          </a:p>
+          <a:p>
+            <a:pPr algn="l"/>
+            <a:r>
+              <a:rPr lang="zh-CN" altLang="en-US"/>
+              <a:t>可点击天命猫叔头像，</a:t>
+            </a:r>
+            <a:endParaRPr lang="zh-CN" altLang="en-US"/>
+          </a:p>
+          <a:p>
+            <a:pPr algn="l"/>
+            <a:r>
+              <a:rPr lang="zh-CN" altLang="en-US"/>
+              <a:t>跳转至个人页面。</a:t>
+            </a:r>
+            <a:endParaRPr lang="zh-CN" altLang="en-US"/>
+          </a:p>
+          <a:p>
+            <a:pPr algn="l"/>
+            <a:endParaRPr lang="zh-CN" altLang="en-US"/>
+          </a:p>
+          <a:p>
+            <a:pPr algn="l"/>
+            <a:r>
+              <a:rPr lang="zh-CN" altLang="en-US"/>
+              <a:t>可点击天明猫叔右边的</a:t>
+            </a:r>
+            <a:endParaRPr lang="zh-CN" altLang="en-US"/>
+          </a:p>
+          <a:p>
+            <a:pPr algn="l"/>
+            <a:r>
+              <a:rPr lang="zh-CN" altLang="en-US"/>
+              <a:t>热区，跳转至关于他发</a:t>
+            </a:r>
+            <a:endParaRPr lang="zh-CN" altLang="en-US"/>
+          </a:p>
+          <a:p>
+            <a:pPr algn="l"/>
+            <a:r>
+              <a:rPr lang="zh-CN" altLang="en-US"/>
+              <a:t>表当前股票的所有帖子。</a:t>
             </a:r>
             <a:endParaRPr lang="zh-CN" altLang="en-US"/>
           </a:p>
